--- a/Project_final_version/The Westbrook Project_progress.pptx
+++ b/Project_final_version/The Westbrook Project_progress.pptx
@@ -1423,6 +1423,90 @@
           <a:bodyPr/>
           <a:lstStyle/>
           <a:p>
+            <a:endParaRPr lang="en-US" dirty="0"/>
+          </a:p>
+        </p:txBody>
+      </p:sp>
+      <p:sp>
+        <p:nvSpPr>
+          <p:cNvPr id="4" name="Slide Number Placeholder 3"/>
+          <p:cNvSpPr>
+            <a:spLocks noGrp="1"/>
+          </p:cNvSpPr>
+          <p:nvPr>
+            <p:ph type="sldNum" sz="quarter" idx="5"/>
+          </p:nvPr>
+        </p:nvSpPr>
+        <p:spPr/>
+        <p:txBody>
+          <a:bodyPr/>
+          <a:lstStyle/>
+          <a:p>
+            <a:fld id="{7C89F68A-BD2F-421A-989A-FDC456443877}" type="slidenum">
+              <a:rPr lang="en-US" smtClean="0"/>
+              <a:t>14</a:t>
+            </a:fld>
+            <a:endParaRPr lang="en-US"/>
+          </a:p>
+        </p:txBody>
+      </p:sp>
+    </p:spTree>
+    <p:extLst>
+      <p:ext uri="{BB962C8B-B14F-4D97-AF65-F5344CB8AC3E}">
+        <p14:creationId xmlns:p14="http://schemas.microsoft.com/office/powerpoint/2010/main" val="3373592963"/>
+      </p:ext>
+    </p:extLst>
+  </p:cSld>
+  <p:clrMapOvr>
+    <a:masterClrMapping/>
+  </p:clrMapOvr>
+</p:notes>
+</file>
+
+<file path=ppt/notesSlides/notesSlide4.xml><?xml version="1.0" encoding="utf-8"?>
+<p:notes xmlns:a="http://schemas.openxmlformats.org/drawingml/2006/main" xmlns:r="http://schemas.openxmlformats.org/officeDocument/2006/relationships" xmlns:p="http://schemas.openxmlformats.org/presentationml/2006/main">
+  <p:cSld>
+    <p:spTree>
+      <p:nvGrpSpPr>
+        <p:cNvPr id="1" name=""/>
+        <p:cNvGrpSpPr/>
+        <p:nvPr/>
+      </p:nvGrpSpPr>
+      <p:grpSpPr>
+        <a:xfrm>
+          <a:off x="0" y="0"/>
+          <a:ext cx="0" cy="0"/>
+          <a:chOff x="0" y="0"/>
+          <a:chExt cx="0" cy="0"/>
+        </a:xfrm>
+      </p:grpSpPr>
+      <p:sp>
+        <p:nvSpPr>
+          <p:cNvPr id="2" name="Slide Image Placeholder 1"/>
+          <p:cNvSpPr>
+            <a:spLocks noGrp="1" noRot="1" noChangeAspect="1"/>
+          </p:cNvSpPr>
+          <p:nvPr>
+            <p:ph type="sldImg"/>
+          </p:nvPr>
+        </p:nvSpPr>
+        <p:spPr/>
+      </p:sp>
+      <p:sp>
+        <p:nvSpPr>
+          <p:cNvPr id="3" name="Notes Placeholder 2"/>
+          <p:cNvSpPr>
+            <a:spLocks noGrp="1"/>
+          </p:cNvSpPr>
+          <p:nvPr>
+            <p:ph type="body" idx="1"/>
+          </p:nvPr>
+        </p:nvSpPr>
+        <p:spPr/>
+        <p:txBody>
+          <a:bodyPr/>
+          <a:lstStyle/>
+          <a:p>
             <a:r>
               <a:rPr lang="en-US" dirty="0"/>
               <a:t>Use the controversy in the MVP trophy, and bench happiness as an example </a:t>
@@ -1616,7 +1700,7 @@
           <a:p>
             <a:fld id="{276D79ED-3FA7-4EF8-964B-EB8BCFAB02F8}" type="datetimeFigureOut">
               <a:rPr lang="en-US" smtClean="0"/>
-              <a:t>7/29/2019</a:t>
+              <a:t>7/30/2019</a:t>
             </a:fld>
             <a:endParaRPr lang="en-US"/>
           </a:p>
@@ -1794,7 +1878,7 @@
           <a:p>
             <a:fld id="{276D79ED-3FA7-4EF8-964B-EB8BCFAB02F8}" type="datetimeFigureOut">
               <a:rPr lang="en-US" smtClean="0"/>
-              <a:t>7/29/2019</a:t>
+              <a:t>7/30/2019</a:t>
             </a:fld>
             <a:endParaRPr lang="en-US"/>
           </a:p>
@@ -2040,7 +2124,7 @@
           <a:p>
             <a:fld id="{276D79ED-3FA7-4EF8-964B-EB8BCFAB02F8}" type="datetimeFigureOut">
               <a:rPr lang="en-US" smtClean="0"/>
-              <a:t>7/29/2019</a:t>
+              <a:t>7/30/2019</a:t>
             </a:fld>
             <a:endParaRPr lang="en-US"/>
           </a:p>
@@ -2271,7 +2355,7 @@
           <a:p>
             <a:fld id="{276D79ED-3FA7-4EF8-964B-EB8BCFAB02F8}" type="datetimeFigureOut">
               <a:rPr lang="en-US" smtClean="0"/>
-              <a:t>7/29/2019</a:t>
+              <a:t>7/30/2019</a:t>
             </a:fld>
             <a:endParaRPr lang="en-US"/>
           </a:p>
@@ -2635,7 +2719,7 @@
           <a:p>
             <a:fld id="{276D79ED-3FA7-4EF8-964B-EB8BCFAB02F8}" type="datetimeFigureOut">
               <a:rPr lang="en-US" smtClean="0"/>
-              <a:t>7/29/2019</a:t>
+              <a:t>7/30/2019</a:t>
             </a:fld>
             <a:endParaRPr lang="en-US"/>
           </a:p>
@@ -2752,7 +2836,7 @@
           <a:p>
             <a:fld id="{276D79ED-3FA7-4EF8-964B-EB8BCFAB02F8}" type="datetimeFigureOut">
               <a:rPr lang="en-US" smtClean="0"/>
-              <a:t>7/29/2019</a:t>
+              <a:t>7/30/2019</a:t>
             </a:fld>
             <a:endParaRPr lang="en-US"/>
           </a:p>
@@ -2847,7 +2931,7 @@
           <a:p>
             <a:fld id="{276D79ED-3FA7-4EF8-964B-EB8BCFAB02F8}" type="datetimeFigureOut">
               <a:rPr lang="en-US" smtClean="0"/>
-              <a:t>7/29/2019</a:t>
+              <a:t>7/30/2019</a:t>
             </a:fld>
             <a:endParaRPr lang="en-US"/>
           </a:p>
@@ -3123,7 +3207,7 @@
           <a:p>
             <a:fld id="{276D79ED-3FA7-4EF8-964B-EB8BCFAB02F8}" type="datetimeFigureOut">
               <a:rPr lang="en-US" smtClean="0"/>
-              <a:t>7/29/2019</a:t>
+              <a:t>7/30/2019</a:t>
             </a:fld>
             <a:endParaRPr lang="en-US"/>
           </a:p>
@@ -3379,7 +3463,7 @@
           <a:p>
             <a:fld id="{276D79ED-3FA7-4EF8-964B-EB8BCFAB02F8}" type="datetimeFigureOut">
               <a:rPr lang="en-US" smtClean="0"/>
-              <a:t>7/29/2019</a:t>
+              <a:t>7/30/2019</a:t>
             </a:fld>
             <a:endParaRPr lang="en-US"/>
           </a:p>
@@ -3598,7 +3682,7 @@
             <a:fld id="{276D79ED-3FA7-4EF8-964B-EB8BCFAB02F8}" type="datetimeFigureOut">
               <a:rPr lang="en-US" smtClean="0"/>
               <a:pPr/>
-              <a:t>7/29/2019</a:t>
+              <a:t>7/30/2019</a:t>
             </a:fld>
             <a:endParaRPr lang="en-US"/>
           </a:p>
@@ -5207,6 +5291,114 @@
           </a:prstGeom>
         </p:spPr>
       </p:pic>
+      <p:sp>
+        <p:nvSpPr>
+          <p:cNvPr id="11" name="Rectangle 10">
+            <a:extLst>
+              <a:ext uri="{FF2B5EF4-FFF2-40B4-BE49-F238E27FC236}">
+                <a16:creationId xmlns:a16="http://schemas.microsoft.com/office/drawing/2014/main" id="{0BFA05DD-68B4-46DB-BD9C-01FEF77446CF}"/>
+              </a:ext>
+            </a:extLst>
+          </p:cNvPr>
+          <p:cNvSpPr/>
+          <p:nvPr/>
+        </p:nvSpPr>
+        <p:spPr>
+          <a:xfrm>
+            <a:off x="4475231" y="2622809"/>
+            <a:ext cx="180975" cy="219676"/>
+          </a:xfrm>
+          <a:prstGeom prst="rect">
+            <a:avLst/>
+          </a:prstGeom>
+          <a:solidFill>
+            <a:schemeClr val="bg1"/>
+          </a:solidFill>
+          <a:ln>
+            <a:solidFill>
+              <a:schemeClr val="bg1"/>
+            </a:solidFill>
+          </a:ln>
+        </p:spPr>
+        <p:style>
+          <a:lnRef idx="2">
+            <a:schemeClr val="accent1">
+              <a:shade val="50000"/>
+            </a:schemeClr>
+          </a:lnRef>
+          <a:fillRef idx="1">
+            <a:schemeClr val="accent1"/>
+          </a:fillRef>
+          <a:effectRef idx="0">
+            <a:schemeClr val="accent1"/>
+          </a:effectRef>
+          <a:fontRef idx="minor">
+            <a:schemeClr val="lt1"/>
+          </a:fontRef>
+        </p:style>
+        <p:txBody>
+          <a:bodyPr rtlCol="0" anchor="ctr"/>
+          <a:lstStyle/>
+          <a:p>
+            <a:pPr algn="ctr"/>
+            <a:endParaRPr lang="en-US"/>
+          </a:p>
+        </p:txBody>
+      </p:sp>
+      <p:sp>
+        <p:nvSpPr>
+          <p:cNvPr id="12" name="Rectangle 11">
+            <a:extLst>
+              <a:ext uri="{FF2B5EF4-FFF2-40B4-BE49-F238E27FC236}">
+                <a16:creationId xmlns:a16="http://schemas.microsoft.com/office/drawing/2014/main" id="{6D5864DD-81DF-4F50-8881-D2E73A8A18F0}"/>
+              </a:ext>
+            </a:extLst>
+          </p:cNvPr>
+          <p:cNvSpPr/>
+          <p:nvPr/>
+        </p:nvSpPr>
+        <p:spPr>
+          <a:xfrm>
+            <a:off x="4475231" y="2312666"/>
+            <a:ext cx="180975" cy="219676"/>
+          </a:xfrm>
+          <a:prstGeom prst="rect">
+            <a:avLst/>
+          </a:prstGeom>
+          <a:solidFill>
+            <a:schemeClr val="bg1"/>
+          </a:solidFill>
+          <a:ln>
+            <a:solidFill>
+              <a:schemeClr val="bg1"/>
+            </a:solidFill>
+          </a:ln>
+        </p:spPr>
+        <p:style>
+          <a:lnRef idx="2">
+            <a:schemeClr val="accent1">
+              <a:shade val="50000"/>
+            </a:schemeClr>
+          </a:lnRef>
+          <a:fillRef idx="1">
+            <a:schemeClr val="accent1"/>
+          </a:fillRef>
+          <a:effectRef idx="0">
+            <a:schemeClr val="accent1"/>
+          </a:effectRef>
+          <a:fontRef idx="minor">
+            <a:schemeClr val="lt1"/>
+          </a:fontRef>
+        </p:style>
+        <p:txBody>
+          <a:bodyPr rtlCol="0" anchor="ctr"/>
+          <a:lstStyle/>
+          <a:p>
+            <a:pPr algn="ctr"/>
+            <a:endParaRPr lang="en-US"/>
+          </a:p>
+        </p:txBody>
+      </p:sp>
     </p:spTree>
     <p:extLst>
       <p:ext uri="{BB962C8B-B14F-4D97-AF65-F5344CB8AC3E}">
@@ -5289,7 +5481,7 @@
           </p:nvPr>
         </p:nvPicPr>
         <p:blipFill>
-          <a:blip r:embed="rId2" cstate="print">
+          <a:blip r:embed="rId3" cstate="print">
             <a:extLst>
               <a:ext uri="{28A0092B-C50C-407E-A947-70E740481C1C}">
                 <a14:useLocalDpi xmlns:a14="http://schemas.microsoft.com/office/drawing/2010/main" val="0"/>
@@ -5324,7 +5516,7 @@
           </p:nvPr>
         </p:nvPicPr>
         <p:blipFill>
-          <a:blip r:embed="rId3" cstate="print">
+          <a:blip r:embed="rId4" cstate="print">
             <a:extLst>
               <a:ext uri="{28A0092B-C50C-407E-A947-70E740481C1C}">
                 <a14:useLocalDpi xmlns:a14="http://schemas.microsoft.com/office/drawing/2010/main" val="0"/>
@@ -5348,42 +5540,6 @@
             <a:extLst>
               <a:ext uri="{FF2B5EF4-FFF2-40B4-BE49-F238E27FC236}">
                 <a16:creationId xmlns:a16="http://schemas.microsoft.com/office/drawing/2014/main" id="{F27BB028-6325-49E4-A2B9-5BB84E06C9EA}"/>
-              </a:ext>
-            </a:extLst>
-          </p:cNvPr>
-          <p:cNvPicPr>
-            <a:picLocks noChangeAspect="1"/>
-          </p:cNvPicPr>
-          <p:nvPr/>
-        </p:nvPicPr>
-        <p:blipFill>
-          <a:blip r:embed="rId4">
-            <a:extLst>
-              <a:ext uri="{28A0092B-C50C-407E-A947-70E740481C1C}">
-                <a14:useLocalDpi xmlns:a14="http://schemas.microsoft.com/office/drawing/2010/main" val="0"/>
-              </a:ext>
-            </a:extLst>
-          </a:blip>
-          <a:stretch>
-            <a:fillRect/>
-          </a:stretch>
-        </p:blipFill>
-        <p:spPr>
-          <a:xfrm>
-            <a:off x="129228" y="4352161"/>
-            <a:ext cx="2516995" cy="1677996"/>
-          </a:xfrm>
-          <a:prstGeom prst="rect">
-            <a:avLst/>
-          </a:prstGeom>
-        </p:spPr>
-      </p:pic>
-      <p:pic>
-        <p:nvPicPr>
-          <p:cNvPr id="20" name="Picture 19" descr="A screenshot of a cell phone&#10;&#10;Description automatically generated">
-            <a:extLst>
-              <a:ext uri="{FF2B5EF4-FFF2-40B4-BE49-F238E27FC236}">
-                <a16:creationId xmlns:a16="http://schemas.microsoft.com/office/drawing/2014/main" id="{9248A17F-3CF2-41EE-ADB4-1B7013A5009E}"/>
               </a:ext>
             </a:extLst>
           </p:cNvPr>
@@ -5406,8 +5562,8 @@
         </p:blipFill>
         <p:spPr>
           <a:xfrm>
-            <a:off x="5064562" y="1802183"/>
-            <a:ext cx="2516996" cy="1677997"/>
+            <a:off x="129228" y="4352161"/>
+            <a:ext cx="2516995" cy="1677996"/>
           </a:xfrm>
           <a:prstGeom prst="rect">
             <a:avLst/>
@@ -5416,10 +5572,10 @@
       </p:pic>
       <p:pic>
         <p:nvPicPr>
-          <p:cNvPr id="28" name="Picture 27" descr="A screenshot of a cell phone&#10;&#10;Description automatically generated">
+          <p:cNvPr id="20" name="Picture 19" descr="A screenshot of a cell phone&#10;&#10;Description automatically generated">
             <a:extLst>
               <a:ext uri="{FF2B5EF4-FFF2-40B4-BE49-F238E27FC236}">
-                <a16:creationId xmlns:a16="http://schemas.microsoft.com/office/drawing/2014/main" id="{CABDFCD1-0A8A-42B8-BF82-1BB00ED4425F}"/>
+                <a16:creationId xmlns:a16="http://schemas.microsoft.com/office/drawing/2014/main" id="{9248A17F-3CF2-41EE-ADB4-1B7013A5009E}"/>
               </a:ext>
             </a:extLst>
           </p:cNvPr>
@@ -5442,7 +5598,7 @@
         </p:blipFill>
         <p:spPr>
           <a:xfrm>
-            <a:off x="7373663" y="1802183"/>
+            <a:off x="5064562" y="1802183"/>
             <a:ext cx="2516996" cy="1677997"/>
           </a:xfrm>
           <a:prstGeom prst="rect">
@@ -5452,10 +5608,10 @@
       </p:pic>
       <p:pic>
         <p:nvPicPr>
-          <p:cNvPr id="26" name="Picture 25" descr="A screenshot of a cell phone&#10;&#10;Description automatically generated">
+          <p:cNvPr id="28" name="Picture 27" descr="A screenshot of a cell phone&#10;&#10;Description automatically generated">
             <a:extLst>
               <a:ext uri="{FF2B5EF4-FFF2-40B4-BE49-F238E27FC236}">
-                <a16:creationId xmlns:a16="http://schemas.microsoft.com/office/drawing/2014/main" id="{5291D915-ACD0-4B3D-9272-7CE6B2DB2905}"/>
+                <a16:creationId xmlns:a16="http://schemas.microsoft.com/office/drawing/2014/main" id="{CABDFCD1-0A8A-42B8-BF82-1BB00ED4425F}"/>
               </a:ext>
             </a:extLst>
           </p:cNvPr>
@@ -5478,7 +5634,7 @@
         </p:blipFill>
         <p:spPr>
           <a:xfrm>
-            <a:off x="2461923" y="4352160"/>
+            <a:off x="7373663" y="1802183"/>
             <a:ext cx="2516996" cy="1677997"/>
           </a:xfrm>
           <a:prstGeom prst="rect">
@@ -5488,10 +5644,10 @@
       </p:pic>
       <p:pic>
         <p:nvPicPr>
-          <p:cNvPr id="22" name="Picture 21" descr="A screenshot of a cell phone&#10;&#10;Description automatically generated">
+          <p:cNvPr id="26" name="Picture 25" descr="A screenshot of a cell phone&#10;&#10;Description automatically generated">
             <a:extLst>
               <a:ext uri="{FF2B5EF4-FFF2-40B4-BE49-F238E27FC236}">
-                <a16:creationId xmlns:a16="http://schemas.microsoft.com/office/drawing/2014/main" id="{B58A83B3-C398-45F4-9A18-4C692CA56FA4}"/>
+                <a16:creationId xmlns:a16="http://schemas.microsoft.com/office/drawing/2014/main" id="{5291D915-ACD0-4B3D-9272-7CE6B2DB2905}"/>
               </a:ext>
             </a:extLst>
           </p:cNvPr>
@@ -5514,7 +5670,7 @@
         </p:blipFill>
         <p:spPr>
           <a:xfrm>
-            <a:off x="4794618" y="4352160"/>
+            <a:off x="2461923" y="4352160"/>
             <a:ext cx="2516996" cy="1677997"/>
           </a:xfrm>
           <a:prstGeom prst="rect">
@@ -5524,10 +5680,10 @@
       </p:pic>
       <p:pic>
         <p:nvPicPr>
-          <p:cNvPr id="24" name="Picture 23" descr="A screenshot of a cell phone&#10;&#10;Description automatically generated">
+          <p:cNvPr id="22" name="Picture 21" descr="A screenshot of a cell phone&#10;&#10;Description automatically generated">
             <a:extLst>
               <a:ext uri="{FF2B5EF4-FFF2-40B4-BE49-F238E27FC236}">
-                <a16:creationId xmlns:a16="http://schemas.microsoft.com/office/drawing/2014/main" id="{536B90AB-A920-4298-95BF-72112959BE84}"/>
+                <a16:creationId xmlns:a16="http://schemas.microsoft.com/office/drawing/2014/main" id="{B58A83B3-C398-45F4-9A18-4C692CA56FA4}"/>
               </a:ext>
             </a:extLst>
           </p:cNvPr>
@@ -5538,6 +5694,42 @@
         </p:nvPicPr>
         <p:blipFill>
           <a:blip r:embed="rId9">
+            <a:extLst>
+              <a:ext uri="{28A0092B-C50C-407E-A947-70E740481C1C}">
+                <a14:useLocalDpi xmlns:a14="http://schemas.microsoft.com/office/drawing/2010/main" val="0"/>
+              </a:ext>
+            </a:extLst>
+          </a:blip>
+          <a:stretch>
+            <a:fillRect/>
+          </a:stretch>
+        </p:blipFill>
+        <p:spPr>
+          <a:xfrm>
+            <a:off x="4794618" y="4352160"/>
+            <a:ext cx="2516996" cy="1677997"/>
+          </a:xfrm>
+          <a:prstGeom prst="rect">
+            <a:avLst/>
+          </a:prstGeom>
+        </p:spPr>
+      </p:pic>
+      <p:pic>
+        <p:nvPicPr>
+          <p:cNvPr id="24" name="Picture 23" descr="A screenshot of a cell phone&#10;&#10;Description automatically generated">
+            <a:extLst>
+              <a:ext uri="{FF2B5EF4-FFF2-40B4-BE49-F238E27FC236}">
+                <a16:creationId xmlns:a16="http://schemas.microsoft.com/office/drawing/2014/main" id="{536B90AB-A920-4298-95BF-72112959BE84}"/>
+              </a:ext>
+            </a:extLst>
+          </p:cNvPr>
+          <p:cNvPicPr>
+            <a:picLocks noChangeAspect="1"/>
+          </p:cNvPicPr>
+          <p:nvPr/>
+        </p:nvPicPr>
+        <p:blipFill>
+          <a:blip r:embed="rId10">
             <a:extLst>
               <a:ext uri="{28A0092B-C50C-407E-A947-70E740481C1C}">
                 <a14:useLocalDpi xmlns:a14="http://schemas.microsoft.com/office/drawing/2010/main" val="0"/>

--- a/Project_final_version/The Westbrook Project_progress.pptx
+++ b/Project_final_version/The Westbrook Project_progress.pptx
@@ -6508,7 +6508,7 @@
           <a:p>
             <a:r>
               <a:rPr lang="en-US" dirty="0"/>
-              <a:t>Results</a:t>
+              <a:t>Results Team</a:t>
             </a:r>
             <a:br>
               <a:rPr lang="en-US" dirty="0"/>
@@ -6522,10 +6522,10 @@
       </p:sp>
       <p:pic>
         <p:nvPicPr>
-          <p:cNvPr id="7" name="Content Placeholder 6" descr="A screenshot of a cell phone&#10;&#10;Description automatically generated">
+          <p:cNvPr id="10" name="Content Placeholder 9" descr="A screenshot of a cell phone&#10;&#10;Description automatically generated">
             <a:extLst>
               <a:ext uri="{FF2B5EF4-FFF2-40B4-BE49-F238E27FC236}">
-                <a16:creationId xmlns:a16="http://schemas.microsoft.com/office/drawing/2014/main" id="{C6EB176B-DBB3-4DB8-8122-D142B2A4425A}"/>
+                <a16:creationId xmlns:a16="http://schemas.microsoft.com/office/drawing/2014/main" id="{EA66C1E2-3E7F-47B4-BB9B-7FF97712A613}"/>
               </a:ext>
             </a:extLst>
           </p:cNvPr>
@@ -6533,7 +6533,7 @@
             <a:picLocks noGrp="1" noChangeAspect="1"/>
           </p:cNvPicPr>
           <p:nvPr>
-            <p:ph sz="half" idx="2"/>
+            <p:ph sz="half" idx="1"/>
           </p:nvPr>
         </p:nvPicPr>
         <p:blipFill>
@@ -6550,26 +6550,65 @@
         </p:blipFill>
         <p:spPr>
           <a:xfrm>
-            <a:off x="4730750" y="2226270"/>
-            <a:ext cx="4297363" cy="3223022"/>
+            <a:off x="404813" y="2260203"/>
+            <a:ext cx="4206875" cy="3155156"/>
           </a:xfrm>
         </p:spPr>
       </p:pic>
+      <p:sp>
+        <p:nvSpPr>
+          <p:cNvPr id="11" name="TextBox 10">
+            <a:extLst>
+              <a:ext uri="{FF2B5EF4-FFF2-40B4-BE49-F238E27FC236}">
+                <a16:creationId xmlns:a16="http://schemas.microsoft.com/office/drawing/2014/main" id="{DBE99400-2B3F-46EA-9C98-68641C3E615F}"/>
+              </a:ext>
+            </a:extLst>
+          </p:cNvPr>
+          <p:cNvSpPr txBox="1"/>
+          <p:nvPr/>
+        </p:nvSpPr>
+        <p:spPr>
+          <a:xfrm>
+            <a:off x="600075" y="5621548"/>
+            <a:ext cx="7756847" cy="707886"/>
+          </a:xfrm>
+          <a:prstGeom prst="rect">
+            <a:avLst/>
+          </a:prstGeom>
+          <a:noFill/>
+        </p:spPr>
+        <p:txBody>
+          <a:bodyPr wrap="square" rtlCol="0">
+            <a:spAutoFit/>
+          </a:bodyPr>
+          <a:lstStyle/>
+          <a:p>
+            <a:r>
+              <a:rPr lang="en-US" sz="2000" dirty="0"/>
+              <a:t>- Rockets in general had higher number of wins than Thunders</a:t>
+            </a:r>
+          </a:p>
+          <a:p>
+            <a:r>
+              <a:rPr lang="en-US" sz="2000" dirty="0"/>
+              <a:t>- Rockets were a better away team</a:t>
+            </a:r>
+          </a:p>
+        </p:txBody>
+      </p:sp>
       <p:pic>
         <p:nvPicPr>
-          <p:cNvPr id="10" name="Content Placeholder 9" descr="A screenshot of a cell phone&#10;&#10;Description automatically generated">
+          <p:cNvPr id="6" name="Content Placeholder 6">
             <a:extLst>
               <a:ext uri="{FF2B5EF4-FFF2-40B4-BE49-F238E27FC236}">
-                <a16:creationId xmlns:a16="http://schemas.microsoft.com/office/drawing/2014/main" id="{EA66C1E2-3E7F-47B4-BB9B-7FF97712A613}"/>
+                <a16:creationId xmlns:a16="http://schemas.microsoft.com/office/drawing/2014/main" id="{4A3CD798-2404-4F20-9591-E0B0942491C8}"/>
               </a:ext>
             </a:extLst>
           </p:cNvPr>
           <p:cNvPicPr>
-            <a:picLocks noGrp="1" noChangeAspect="1"/>
+            <a:picLocks noChangeAspect="1"/>
           </p:cNvPicPr>
-          <p:nvPr>
-            <p:ph sz="half" idx="1"/>
-          </p:nvPr>
+          <p:nvPr/>
         </p:nvPicPr>
         <p:blipFill>
           <a:blip r:embed="rId3">
@@ -6585,52 +6624,14 @@
         </p:blipFill>
         <p:spPr>
           <a:xfrm>
-            <a:off x="404813" y="2260203"/>
-            <a:ext cx="4206875" cy="3155156"/>
-          </a:xfrm>
-        </p:spPr>
-      </p:pic>
-      <p:sp>
-        <p:nvSpPr>
-          <p:cNvPr id="11" name="TextBox 10">
-            <a:extLst>
-              <a:ext uri="{FF2B5EF4-FFF2-40B4-BE49-F238E27FC236}">
-                <a16:creationId xmlns:a16="http://schemas.microsoft.com/office/drawing/2014/main" id="{DBE99400-2B3F-46EA-9C98-68641C3E615F}"/>
-              </a:ext>
-            </a:extLst>
-          </p:cNvPr>
-          <p:cNvSpPr txBox="1"/>
-          <p:nvPr/>
-        </p:nvSpPr>
-        <p:spPr>
-          <a:xfrm>
-            <a:off x="600075" y="5621548"/>
-            <a:ext cx="7756847" cy="707886"/>
+            <a:off x="4776646" y="2260679"/>
+            <a:ext cx="4206240" cy="3154680"/>
           </a:xfrm>
           <a:prstGeom prst="rect">
             <a:avLst/>
           </a:prstGeom>
-          <a:noFill/>
-        </p:spPr>
-        <p:txBody>
-          <a:bodyPr wrap="square" rtlCol="0">
-            <a:spAutoFit/>
-          </a:bodyPr>
-          <a:lstStyle/>
-          <a:p>
-            <a:r>
-              <a:rPr lang="en-US" sz="2000" dirty="0"/>
-              <a:t>- Rockets in general had higher number of wins than Thunders</a:t>
-            </a:r>
-          </a:p>
-          <a:p>
-            <a:r>
-              <a:rPr lang="en-US" sz="2000" dirty="0"/>
-              <a:t>- Rockets were a better away team</a:t>
-            </a:r>
-          </a:p>
-        </p:txBody>
-      </p:sp>
+        </p:spPr>
+      </p:pic>
     </p:spTree>
     <p:extLst>
       <p:ext uri="{BB962C8B-B14F-4D97-AF65-F5344CB8AC3E}">

--- a/Project_final_version/The Westbrook Project_progress.pptx
+++ b/Project_final_version/The Westbrook Project_progress.pptx
@@ -6570,7 +6570,7 @@
         <p:spPr>
           <a:xfrm>
             <a:off x="600075" y="5621548"/>
-            <a:ext cx="7756847" cy="707886"/>
+            <a:ext cx="7756847" cy="1015663"/>
           </a:xfrm>
           <a:prstGeom prst="rect">
             <a:avLst/>
@@ -6583,15 +6583,33 @@
           </a:bodyPr>
           <a:lstStyle/>
           <a:p>
+            <a:pPr marL="342900" indent="-342900">
+              <a:buFontTx/>
+              <a:buChar char="-"/>
+            </a:pPr>
             <a:r>
               <a:rPr lang="en-US" sz="2000" dirty="0"/>
-              <a:t>- Rockets in general had higher number of wins than Thunders</a:t>
-            </a:r>
-          </a:p>
-          <a:p>
+              <a:t>Rockets in general had higher number of wins than Thunders</a:t>
+            </a:r>
+          </a:p>
+          <a:p>
+            <a:pPr marL="342900" indent="-342900">
+              <a:buFontTx/>
+              <a:buChar char="-"/>
+            </a:pPr>
             <a:r>
               <a:rPr lang="en-US" sz="2000" dirty="0"/>
-              <a:t>- Rockets were a better away team</a:t>
+              <a:t>Both teams were a better away team</a:t>
+            </a:r>
+          </a:p>
+          <a:p>
+            <a:pPr marL="342900" indent="-342900">
+              <a:buFontTx/>
+              <a:buChar char="-"/>
+            </a:pPr>
+            <a:r>
+              <a:rPr lang="en-US" sz="2000" dirty="0"/>
+              <a:t>Their records overall were similar</a:t>
             </a:r>
           </a:p>
         </p:txBody>

--- a/Project_final_version/The Westbrook Project_progress.pptx
+++ b/Project_final_version/The Westbrook Project_progress.pptx
@@ -6338,7 +6338,15 @@
           <a:p>
             <a:r>
               <a:rPr lang="en-US" dirty="0"/>
-              <a:t>This data is recorded by the NBA, so it is therefore the most accurate</a:t>
+              <a:t>This data is recorded by the NBA, so </a:t>
+            </a:r>
+            <a:r>
+              <a:rPr lang="en-US"/>
+              <a:t>it is </a:t>
+            </a:r>
+            <a:r>
+              <a:rPr lang="en-US" dirty="0"/>
+              <a:t>the most accurate</a:t>
             </a:r>
           </a:p>
           <a:p>
